--- a/Partie personnelle Lucas MINAUD/revue 1.pptx
+++ b/Partie personnelle Lucas MINAUD/revue 1.pptx
@@ -106,6 +106,11 @@
       </a:defRPr>
     </a:lvl9pPr>
   </p:defaultTextStyle>
+  <p:extLst>
+    <p:ext uri="{EFAFB233-063F-42B5-8137-9DF3F51BA10A}">
+      <p15:sldGuideLst xmlns:p15="http://schemas.microsoft.com/office/powerpoint/2012/main"/>
+    </p:ext>
+  </p:extLst>
 </p:presentation>
 </file>
 
@@ -512,7 +517,7 @@
           <a:p>
             <a:fld id="{8B4AF60A-713C-41BA-9788-4C493DDC0A9C}" type="datetimeFigureOut">
               <a:rPr lang="en-US" dirty="0"/>
-              <a:t>1/18/2019</a:t>
+              <a:t>1/23/2019</a:t>
             </a:fld>
             <a:endParaRPr lang="en-US" dirty="0"/>
           </a:p>
@@ -687,7 +692,7 @@
           <a:p>
             <a:fld id="{7E5E0FA7-C445-42F7-AF66-A4F5A6FC8A9C}" type="datetimeFigureOut">
               <a:rPr lang="en-US" dirty="0"/>
-              <a:t>1/18/2019</a:t>
+              <a:t>1/23/2019</a:t>
             </a:fld>
             <a:endParaRPr lang="en-US" dirty="0"/>
           </a:p>
@@ -862,7 +867,7 @@
           <a:p>
             <a:fld id="{585AC5C5-1A57-4420-8AFB-CE41693A794B}" type="datetimeFigureOut">
               <a:rPr lang="en-US" dirty="0"/>
-              <a:t>1/18/2019</a:t>
+              <a:t>1/23/2019</a:t>
             </a:fld>
             <a:endParaRPr lang="en-US" dirty="0"/>
           </a:p>
@@ -1027,7 +1032,7 @@
           <a:p>
             <a:fld id="{8A4C08AF-84E6-4329-8E67-FEA434B47075}" type="datetimeFigureOut">
               <a:rPr lang="en-US" dirty="0"/>
-              <a:t>1/18/2019</a:t>
+              <a:t>1/23/2019</a:t>
             </a:fld>
             <a:endParaRPr lang="en-US" dirty="0"/>
           </a:p>
@@ -1335,7 +1340,7 @@
           <a:p>
             <a:fld id="{4F6EE328-6AFF-436B-881F-213D56084544}" type="datetimeFigureOut">
               <a:rPr lang="en-US" dirty="0"/>
-              <a:t>1/18/2019</a:t>
+              <a:t>1/23/2019</a:t>
             </a:fld>
             <a:endParaRPr lang="en-US" dirty="0"/>
           </a:p>
@@ -1717,7 +1722,7 @@
           <a:p>
             <a:fld id="{AE02069A-09EE-4C7C-86A4-2314A404921D}" type="datetimeFigureOut">
               <a:rPr lang="en-US" dirty="0"/>
-              <a:t>1/18/2019</a:t>
+              <a:t>1/23/2019</a:t>
             </a:fld>
             <a:endParaRPr lang="en-US" dirty="0"/>
           </a:p>
@@ -2146,7 +2151,7 @@
           <a:p>
             <a:fld id="{D56EE7F1-171E-411F-96CA-A251A21496E7}" type="datetimeFigureOut">
               <a:rPr lang="en-US" dirty="0"/>
-              <a:t>1/18/2019</a:t>
+              <a:t>1/23/2019</a:t>
             </a:fld>
             <a:endParaRPr lang="en-US" dirty="0"/>
           </a:p>
@@ -2259,7 +2264,7 @@
           <a:p>
             <a:fld id="{8872C98D-A273-4547-9B92-97D7769F71A6}" type="datetimeFigureOut">
               <a:rPr lang="en-US" dirty="0"/>
-              <a:t>1/18/2019</a:t>
+              <a:t>1/23/2019</a:t>
             </a:fld>
             <a:endParaRPr lang="en-US" dirty="0"/>
           </a:p>
@@ -2349,7 +2354,7 @@
           <a:p>
             <a:fld id="{BAB7CD67-0644-446C-B2AD-1C09BF34F286}" type="datetimeFigureOut">
               <a:rPr lang="en-US" dirty="0"/>
-              <a:t>1/18/2019</a:t>
+              <a:t>1/23/2019</a:t>
             </a:fld>
             <a:endParaRPr lang="en-US" dirty="0"/>
           </a:p>
@@ -2694,7 +2699,7 @@
           <a:p>
             <a:fld id="{81480828-6983-48AD-9E27-CBD3696F837E}" type="datetimeFigureOut">
               <a:rPr lang="en-US" dirty="0"/>
-              <a:t>1/18/2019</a:t>
+              <a:t>1/23/2019</a:t>
             </a:fld>
             <a:endParaRPr lang="en-US" dirty="0"/>
           </a:p>
@@ -3114,7 +3119,7 @@
           <a:p>
             <a:fld id="{2C5EFB91-0324-450E-B17F-36DC0ECCE413}" type="datetimeFigureOut">
               <a:rPr lang="en-US" dirty="0"/>
-              <a:t>1/18/2019</a:t>
+              <a:t>1/23/2019</a:t>
             </a:fld>
             <a:endParaRPr lang="en-US" dirty="0"/>
           </a:p>
@@ -3390,7 +3395,7 @@
           <a:p>
             <a:fld id="{52E37674-C1BA-4107-9B06-6D4CAC3A3DF5}" type="datetimeFigureOut">
               <a:rPr lang="en-US" dirty="0"/>
-              <a:t>1/18/2019</a:t>
+              <a:t>1/23/2019</a:t>
             </a:fld>
             <a:endParaRPr lang="en-US" dirty="0"/>
           </a:p>
@@ -4681,36 +4686,6 @@
           </a:prstGeom>
         </p:spPr>
       </p:pic>
-      <p:sp>
-        <p:nvSpPr>
-          <p:cNvPr id="25" name="Espace réservé du contenu 24">
-            <a:extLst>
-              <a:ext uri="{FF2B5EF4-FFF2-40B4-BE49-F238E27FC236}">
-                <a16:creationId xmlns:a16="http://schemas.microsoft.com/office/drawing/2014/main" id="{D17D5BCC-2ACF-40BA-8C1D-2E9DFC90F1AB}"/>
-              </a:ext>
-            </a:extLst>
-          </p:cNvPr>
-          <p:cNvSpPr>
-            <a:spLocks noGrp="1"/>
-          </p:cNvSpPr>
-          <p:nvPr>
-            <p:ph idx="1"/>
-          </p:nvPr>
-        </p:nvSpPr>
-        <p:spPr>
-          <a:xfrm>
-            <a:off x="100361" y="-202215"/>
-            <a:ext cx="10058400" cy="4050792"/>
-          </a:xfrm>
-        </p:spPr>
-        <p:txBody>
-          <a:bodyPr/>
-          <a:lstStyle/>
-          <a:p>
-            <a:endParaRPr lang="fr-FR" dirty="0"/>
-          </a:p>
-        </p:txBody>
-      </p:sp>
     </p:spTree>
     <p:extLst>
       <p:ext uri="{BB962C8B-B14F-4D97-AF65-F5344CB8AC3E}">
